--- a/140620.pptx
+++ b/140620.pptx
@@ -8,6 +8,7 @@
     <p:sldId id="256" r:id="rId2"/>
     <p:sldId id="257" r:id="rId3"/>
     <p:sldId id="258" r:id="rId4"/>
+    <p:sldId id="259" r:id="rId5"/>
   </p:sldIdLst>
   <p:sldSz cx="9144000" cy="6858000" type="screen4x3"/>
   <p:notesSz cx="6858000" cy="9144000"/>
@@ -291,7 +292,7 @@
             <a:fld id="{E480C506-4C7F-4EB0-ADE1-D99678AFE64B}" type="datetimeFigureOut">
               <a:rPr kumimoji="1" lang="ja-JP" altLang="en-US" smtClean="0"/>
               <a:pPr/>
-              <a:t>2014/6/20</a:t>
+              <a:t>2014/6/27</a:t>
             </a:fld>
             <a:endParaRPr kumimoji="1" lang="ja-JP" altLang="en-US"/>
           </a:p>
@@ -490,7 +491,7 @@
             <a:fld id="{E480C506-4C7F-4EB0-ADE1-D99678AFE64B}" type="datetimeFigureOut">
               <a:rPr kumimoji="1" lang="ja-JP" altLang="en-US" smtClean="0"/>
               <a:pPr/>
-              <a:t>2014/6/20</a:t>
+              <a:t>2014/6/27</a:t>
             </a:fld>
             <a:endParaRPr kumimoji="1" lang="ja-JP" altLang="en-US"/>
           </a:p>
@@ -699,7 +700,7 @@
             <a:fld id="{E480C506-4C7F-4EB0-ADE1-D99678AFE64B}" type="datetimeFigureOut">
               <a:rPr kumimoji="1" lang="ja-JP" altLang="en-US" smtClean="0"/>
               <a:pPr/>
-              <a:t>2014/6/20</a:t>
+              <a:t>2014/6/27</a:t>
             </a:fld>
             <a:endParaRPr kumimoji="1" lang="ja-JP" altLang="en-US"/>
           </a:p>
@@ -898,7 +899,7 @@
             <a:fld id="{E480C506-4C7F-4EB0-ADE1-D99678AFE64B}" type="datetimeFigureOut">
               <a:rPr kumimoji="1" lang="ja-JP" altLang="en-US" smtClean="0"/>
               <a:pPr/>
-              <a:t>2014/6/20</a:t>
+              <a:t>2014/6/27</a:t>
             </a:fld>
             <a:endParaRPr kumimoji="1" lang="ja-JP" altLang="en-US"/>
           </a:p>
@@ -1141,7 +1142,7 @@
             <a:fld id="{E480C506-4C7F-4EB0-ADE1-D99678AFE64B}" type="datetimeFigureOut">
               <a:rPr kumimoji="1" lang="ja-JP" altLang="en-US" smtClean="0"/>
               <a:pPr/>
-              <a:t>2014/6/20</a:t>
+              <a:t>2014/6/27</a:t>
             </a:fld>
             <a:endParaRPr kumimoji="1" lang="ja-JP" altLang="en-US"/>
           </a:p>
@@ -1490,7 +1491,7 @@
             <a:fld id="{E480C506-4C7F-4EB0-ADE1-D99678AFE64B}" type="datetimeFigureOut">
               <a:rPr kumimoji="1" lang="ja-JP" altLang="en-US" smtClean="0"/>
               <a:pPr/>
-              <a:t>2014/6/20</a:t>
+              <a:t>2014/6/27</a:t>
             </a:fld>
             <a:endParaRPr kumimoji="1" lang="ja-JP" altLang="en-US"/>
           </a:p>
@@ -1973,7 +1974,7 @@
             <a:fld id="{E480C506-4C7F-4EB0-ADE1-D99678AFE64B}" type="datetimeFigureOut">
               <a:rPr kumimoji="1" lang="ja-JP" altLang="en-US" smtClean="0"/>
               <a:pPr/>
-              <a:t>2014/6/20</a:t>
+              <a:t>2014/6/27</a:t>
             </a:fld>
             <a:endParaRPr kumimoji="1" lang="ja-JP" altLang="en-US"/>
           </a:p>
@@ -2088,7 +2089,7 @@
             <a:fld id="{E480C506-4C7F-4EB0-ADE1-D99678AFE64B}" type="datetimeFigureOut">
               <a:rPr kumimoji="1" lang="ja-JP" altLang="en-US" smtClean="0"/>
               <a:pPr/>
-              <a:t>2014/6/20</a:t>
+              <a:t>2014/6/27</a:t>
             </a:fld>
             <a:endParaRPr kumimoji="1" lang="ja-JP" altLang="en-US"/>
           </a:p>
@@ -2180,7 +2181,7 @@
             <a:fld id="{E480C506-4C7F-4EB0-ADE1-D99678AFE64B}" type="datetimeFigureOut">
               <a:rPr kumimoji="1" lang="ja-JP" altLang="en-US" smtClean="0"/>
               <a:pPr/>
-              <a:t>2014/6/20</a:t>
+              <a:t>2014/6/27</a:t>
             </a:fld>
             <a:endParaRPr kumimoji="1" lang="ja-JP" altLang="en-US"/>
           </a:p>
@@ -2486,7 +2487,7 @@
             <a:fld id="{E480C506-4C7F-4EB0-ADE1-D99678AFE64B}" type="datetimeFigureOut">
               <a:rPr kumimoji="1" lang="ja-JP" altLang="en-US" smtClean="0"/>
               <a:pPr/>
-              <a:t>2014/6/20</a:t>
+              <a:t>2014/6/27</a:t>
             </a:fld>
             <a:endParaRPr kumimoji="1" lang="ja-JP" altLang="en-US"/>
           </a:p>
@@ -2736,7 +2737,7 @@
             <a:fld id="{E480C506-4C7F-4EB0-ADE1-D99678AFE64B}" type="datetimeFigureOut">
               <a:rPr kumimoji="1" lang="ja-JP" altLang="en-US" smtClean="0"/>
               <a:pPr/>
-              <a:t>2014/6/20</a:t>
+              <a:t>2014/6/27</a:t>
             </a:fld>
             <a:endParaRPr kumimoji="1" lang="ja-JP" altLang="en-US"/>
           </a:p>
@@ -2978,7 +2979,7 @@
             <a:fld id="{E480C506-4C7F-4EB0-ADE1-D99678AFE64B}" type="datetimeFigureOut">
               <a:rPr kumimoji="1" lang="ja-JP" altLang="en-US" smtClean="0"/>
               <a:pPr/>
-              <a:t>2014/6/20</a:t>
+              <a:t>2014/6/27</a:t>
             </a:fld>
             <a:endParaRPr kumimoji="1" lang="ja-JP" altLang="en-US"/>
           </a:p>
@@ -3704,7 +3705,6 @@
               <a:rPr lang="en-US" altLang="ja-JP" dirty="0" smtClean="0"/>
               <a:t>)</a:t>
             </a:r>
-            <a:endParaRPr lang="en-US" altLang="ja-JP" dirty="0" smtClean="0"/>
           </a:p>
           <a:p>
             <a:endParaRPr lang="en-US" altLang="ja-JP" dirty="0" smtClean="0"/>
@@ -3897,13 +3897,135 @@
               <a:t>long</a:t>
             </a:r>
             <a:r>
+              <a:rPr lang="ja-JP" altLang="en-US" dirty="0" smtClean="0"/>
+              <a:t>型の変数を定義して、それと現在時間の引き算を行う</a:t>
+            </a:r>
+            <a:endParaRPr lang="en-US" altLang="ja-JP" dirty="0" smtClean="0"/>
+          </a:p>
+          <a:p>
+            <a:pPr lvl="1"/>
+            <a:endParaRPr lang="en-US" altLang="ja-JP" dirty="0" smtClean="0"/>
+          </a:p>
+          <a:p>
+            <a:endParaRPr lang="en-US" altLang="ja-JP" dirty="0" smtClean="0"/>
+          </a:p>
+          <a:p>
+            <a:endParaRPr lang="en-US" altLang="ja-JP" dirty="0" smtClean="0"/>
+          </a:p>
+          <a:p>
+            <a:endParaRPr lang="en-US" altLang="ja-JP" dirty="0" smtClean="0"/>
+          </a:p>
+        </p:txBody>
+      </p:sp>
+    </p:spTree>
+  </p:cSld>
+  <p:clrMapOvr>
+    <a:masterClrMapping/>
+  </p:clrMapOvr>
+  <p:timing>
+    <p:tnLst>
+      <p:par>
+        <p:cTn id="1" dur="indefinite" restart="never" nodeType="tmRoot"/>
+      </p:par>
+    </p:tnLst>
+  </p:timing>
+</p:sld>
+</file>
+
+<file path=ppt/slides/slide4.xml><?xml version="1.0" encoding="utf-8"?>
+<p:sld xmlns:a="http://schemas.openxmlformats.org/drawingml/2006/main" xmlns:r="http://schemas.openxmlformats.org/officeDocument/2006/relationships" xmlns:p="http://schemas.openxmlformats.org/presentationml/2006/main">
+  <p:cSld>
+    <p:spTree>
+      <p:nvGrpSpPr>
+        <p:cNvPr id="1" name=""/>
+        <p:cNvGrpSpPr/>
+        <p:nvPr/>
+      </p:nvGrpSpPr>
+      <p:grpSpPr>
+        <a:xfrm>
+          <a:off x="0" y="0"/>
+          <a:ext cx="0" cy="0"/>
+          <a:chOff x="0" y="0"/>
+          <a:chExt cx="0" cy="0"/>
+        </a:xfrm>
+      </p:grpSpPr>
+      <p:sp>
+        <p:nvSpPr>
+          <p:cNvPr id="4" name="タイトル 3"/>
+          <p:cNvSpPr>
+            <a:spLocks noGrp="1"/>
+          </p:cNvSpPr>
+          <p:nvPr>
+            <p:ph type="title"/>
+          </p:nvPr>
+        </p:nvSpPr>
+        <p:spPr>
+          <a:xfrm>
+            <a:off x="457200" y="-27384"/>
+            <a:ext cx="8229600" cy="792000"/>
+          </a:xfrm>
+        </p:spPr>
+        <p:txBody>
+          <a:bodyPr>
+            <a:normAutofit/>
+          </a:bodyPr>
+          <a:lstStyle/>
+          <a:p>
+            <a:r>
+              <a:rPr kumimoji="1" lang="ja-JP" altLang="en-US" dirty="0" smtClean="0"/>
+              <a:t>経過時間</a:t>
+            </a:r>
+            <a:r>
+              <a:rPr kumimoji="1" lang="ja-JP" altLang="en-US" dirty="0" smtClean="0"/>
+              <a:t>の使い方</a:t>
+            </a:r>
+            <a:endParaRPr kumimoji="1" lang="ja-JP" altLang="en-US" dirty="0"/>
+          </a:p>
+        </p:txBody>
+      </p:sp>
+      <p:sp>
+        <p:nvSpPr>
+          <p:cNvPr id="5" name="コンテンツ プレースホルダ 4"/>
+          <p:cNvSpPr>
+            <a:spLocks noGrp="1"/>
+          </p:cNvSpPr>
+          <p:nvPr>
+            <p:ph idx="1"/>
+          </p:nvPr>
+        </p:nvSpPr>
+        <p:spPr>
+          <a:xfrm>
+            <a:off x="457200" y="692696"/>
+            <a:ext cx="8229600" cy="5433467"/>
+          </a:xfrm>
+        </p:spPr>
+        <p:txBody>
+          <a:bodyPr>
+            <a:normAutofit/>
+          </a:bodyPr>
+          <a:lstStyle/>
+          <a:p>
+            <a:r>
+              <a:rPr lang="ja-JP" altLang="en-US" dirty="0" smtClean="0"/>
+              <a:t>速度の値</a:t>
+            </a:r>
+            <a:r>
               <a:rPr lang="ja-JP" altLang="en-US" smtClean="0"/>
-              <a:t>型の変数を定義して、それと現在時間の引き算を行う</a:t>
-            </a:r>
+              <a:t>を、</a:t>
+            </a:r>
+            <a:r>
+              <a:rPr lang="ja-JP" altLang="en-US" smtClean="0"/>
+              <a:t>秒速に変更する</a:t>
+            </a:r>
+            <a:endParaRPr lang="en-US" altLang="ja-JP" smtClean="0"/>
+          </a:p>
+          <a:p>
             <a:endParaRPr lang="en-US" altLang="ja-JP" dirty="0" smtClean="0"/>
           </a:p>
           <a:p>
-            <a:pPr lvl="1"/>
+            <a:pPr lvl="1">
+              <a:buNone/>
+            </a:pPr>
             <a:endParaRPr lang="en-US" altLang="ja-JP" dirty="0" smtClean="0"/>
           </a:p>
           <a:p>

--- a/140620.pptx
+++ b/140620.pptx
@@ -4007,19 +4007,201 @@
           <a:p>
             <a:r>
               <a:rPr lang="ja-JP" altLang="en-US" dirty="0" smtClean="0"/>
-              <a:t>速度の値</a:t>
-            </a:r>
-            <a:r>
-              <a:rPr lang="ja-JP" altLang="en-US" smtClean="0"/>
-              <a:t>を、</a:t>
-            </a:r>
-            <a:r>
-              <a:rPr lang="ja-JP" altLang="en-US" smtClean="0"/>
+              <a:t>速度の値を、</a:t>
+            </a:r>
+            <a:r>
+              <a:rPr lang="ja-JP" altLang="en-US" dirty="0" smtClean="0"/>
               <a:t>秒速に変更する</a:t>
             </a:r>
-            <a:endParaRPr lang="en-US" altLang="ja-JP" smtClean="0"/>
-          </a:p>
-          <a:p>
+            <a:endParaRPr lang="en-US" altLang="ja-JP" dirty="0" smtClean="0"/>
+          </a:p>
+          <a:p>
+            <a:pPr lvl="1"/>
+            <a:r>
+              <a:rPr lang="ja-JP" altLang="en-US" dirty="0" smtClean="0"/>
+              <a:t>敵の速度を、秒速</a:t>
+            </a:r>
+            <a:r>
+              <a:rPr lang="en-US" altLang="ja-JP" dirty="0" smtClean="0"/>
+              <a:t>400</a:t>
+            </a:r>
+            <a:r>
+              <a:rPr lang="ja-JP" altLang="en-US" dirty="0" smtClean="0"/>
+              <a:t>ピクセルにした場合・・・</a:t>
+            </a:r>
+            <a:endParaRPr lang="en-US" altLang="ja-JP" dirty="0" smtClean="0"/>
+          </a:p>
+          <a:p>
+            <a:pPr lvl="1"/>
+            <a:r>
+              <a:rPr lang="ja-JP" altLang="en-US" dirty="0" smtClean="0"/>
+              <a:t>敵の最高速度を定数で定義する</a:t>
+            </a:r>
+            <a:endParaRPr lang="en-US" altLang="ja-JP" dirty="0" smtClean="0"/>
+          </a:p>
+          <a:p>
+            <a:r>
+              <a:rPr lang="ja-JP" altLang="en-US" dirty="0" smtClean="0"/>
+              <a:t>秒速を反映する</a:t>
+            </a:r>
+            <a:endParaRPr lang="en-US" altLang="ja-JP" dirty="0" smtClean="0"/>
+          </a:p>
+          <a:p>
+            <a:pPr>
+              <a:buNone/>
+            </a:pPr>
+            <a:r>
+              <a:rPr lang="ja-JP" altLang="en-US" sz="2400" dirty="0" smtClean="0">
+                <a:solidFill>
+                  <a:srgbClr val="FF0000"/>
+                </a:solidFill>
+                <a:effectLst>
+                  <a:outerShdw blurRad="38100" dist="38100" dir="2700000" algn="tl">
+                    <a:srgbClr val="000000">
+                      <a:alpha val="43137"/>
+                    </a:srgbClr>
+                  </a:outerShdw>
+                </a:effectLst>
+              </a:rPr>
+              <a:t>新しい座標 </a:t>
+            </a:r>
+            <a:r>
+              <a:rPr lang="en-US" altLang="ja-JP" sz="2400" dirty="0" smtClean="0">
+                <a:solidFill>
+                  <a:srgbClr val="FF0000"/>
+                </a:solidFill>
+                <a:effectLst>
+                  <a:outerShdw blurRad="38100" dist="38100" dir="2700000" algn="tl">
+                    <a:srgbClr val="000000">
+                      <a:alpha val="43137"/>
+                    </a:srgbClr>
+                  </a:outerShdw>
+                </a:effectLst>
+              </a:rPr>
+              <a:t>= </a:t>
+            </a:r>
+            <a:r>
+              <a:rPr lang="ja-JP" altLang="en-US" sz="2400" dirty="0" smtClean="0">
+                <a:solidFill>
+                  <a:srgbClr val="FF0000"/>
+                </a:solidFill>
+                <a:effectLst>
+                  <a:outerShdw blurRad="38100" dist="38100" dir="2700000" algn="tl">
+                    <a:srgbClr val="000000">
+                      <a:alpha val="43137"/>
+                    </a:srgbClr>
+                  </a:outerShdw>
+                </a:effectLst>
+              </a:rPr>
+              <a:t>現在の座標 </a:t>
+            </a:r>
+            <a:r>
+              <a:rPr lang="en-US" altLang="ja-JP" sz="2400" dirty="0" smtClean="0">
+                <a:solidFill>
+                  <a:srgbClr val="FF0000"/>
+                </a:solidFill>
+                <a:effectLst>
+                  <a:outerShdw blurRad="38100" dist="38100" dir="2700000" algn="tl">
+                    <a:srgbClr val="000000">
+                      <a:alpha val="43137"/>
+                    </a:srgbClr>
+                  </a:outerShdw>
+                </a:effectLst>
+              </a:rPr>
+              <a:t>+ </a:t>
+            </a:r>
+            <a:r>
+              <a:rPr lang="ja-JP" altLang="en-US" sz="2400" dirty="0" smtClean="0">
+                <a:solidFill>
+                  <a:srgbClr val="FF0000"/>
+                </a:solidFill>
+                <a:effectLst>
+                  <a:outerShdw blurRad="38100" dist="38100" dir="2700000" algn="tl">
+                    <a:srgbClr val="000000">
+                      <a:alpha val="43137"/>
+                    </a:srgbClr>
+                  </a:outerShdw>
+                </a:effectLst>
+              </a:rPr>
+              <a:t>秒速 </a:t>
+            </a:r>
+            <a:r>
+              <a:rPr lang="en-US" altLang="ja-JP" sz="2400" dirty="0" smtClean="0">
+                <a:solidFill>
+                  <a:srgbClr val="FF0000"/>
+                </a:solidFill>
+                <a:effectLst>
+                  <a:outerShdw blurRad="38100" dist="38100" dir="2700000" algn="tl">
+                    <a:srgbClr val="000000">
+                      <a:alpha val="43137"/>
+                    </a:srgbClr>
+                  </a:outerShdw>
+                </a:effectLst>
+              </a:rPr>
+              <a:t>* </a:t>
+            </a:r>
+            <a:r>
+              <a:rPr lang="ja-JP" altLang="en-US" sz="2400" dirty="0" smtClean="0">
+                <a:solidFill>
+                  <a:srgbClr val="FF0000"/>
+                </a:solidFill>
+                <a:effectLst>
+                  <a:outerShdw blurRad="38100" dist="38100" dir="2700000" algn="tl">
+                    <a:srgbClr val="000000">
+                      <a:alpha val="43137"/>
+                    </a:srgbClr>
+                  </a:outerShdw>
+                </a:effectLst>
+              </a:rPr>
+              <a:t>経過時間 </a:t>
+            </a:r>
+            <a:r>
+              <a:rPr lang="en-US" altLang="ja-JP" sz="2400" dirty="0" smtClean="0">
+                <a:solidFill>
+                  <a:srgbClr val="FF0000"/>
+                </a:solidFill>
+                <a:effectLst>
+                  <a:outerShdw blurRad="38100" dist="38100" dir="2700000" algn="tl">
+                    <a:srgbClr val="000000">
+                      <a:alpha val="43137"/>
+                    </a:srgbClr>
+                  </a:outerShdw>
+                </a:effectLst>
+              </a:rPr>
+              <a:t>/ </a:t>
+            </a:r>
+            <a:r>
+              <a:rPr lang="ja-JP" altLang="en-US" sz="2400" dirty="0" smtClean="0">
+                <a:solidFill>
+                  <a:srgbClr val="FF0000"/>
+                </a:solidFill>
+                <a:effectLst>
+                  <a:outerShdw blurRad="38100" dist="38100" dir="2700000" algn="tl">
+                    <a:srgbClr val="000000">
+                      <a:alpha val="43137"/>
+                    </a:srgbClr>
+                  </a:outerShdw>
+                </a:effectLst>
+              </a:rPr>
+              <a:t>単位時間</a:t>
+            </a:r>
+            <a:endParaRPr lang="en-US" altLang="ja-JP" sz="2400" dirty="0" smtClean="0">
+              <a:solidFill>
+                <a:srgbClr val="FF0000"/>
+              </a:solidFill>
+              <a:effectLst>
+                <a:outerShdw blurRad="38100" dist="38100" dir="2700000" algn="tl">
+                  <a:srgbClr val="000000">
+                    <a:alpha val="43137"/>
+                  </a:srgbClr>
+                </a:outerShdw>
+              </a:effectLst>
+            </a:endParaRPr>
+          </a:p>
+          <a:p>
+            <a:pPr>
+              <a:buNone/>
+            </a:pPr>
             <a:endParaRPr lang="en-US" altLang="ja-JP" dirty="0" smtClean="0"/>
           </a:p>
           <a:p>
